--- a/Chapter3/Figures/Fig10.pptx
+++ b/Chapter3/Figures/Fig10.pptx
@@ -7,14 +7,14 @@
   <p:sldIdLst>
     <p:sldId id="256" r:id="rId2"/>
   </p:sldIdLst>
-  <p:sldSz cx="9721850" cy="5040313"/>
+  <p:sldSz cx="7740650" cy="8101013"/>
   <p:notesSz cx="6858000" cy="9144000"/>
   <p:defaultTextStyle>
     <a:defPPr>
       <a:defRPr lang="en-US"/>
     </a:defPPr>
-    <a:lvl1pPr marL="0" algn="l" defTabSz="871880" rtl="0" eaLnBrk="1" latinLnBrk="0" hangingPunct="1">
-      <a:defRPr sz="1700" kern="1200">
+    <a:lvl1pPr marL="0" algn="l" defTabSz="799165" rtl="0" eaLnBrk="1" latinLnBrk="0" hangingPunct="1">
+      <a:defRPr sz="1600" kern="1200">
         <a:solidFill>
           <a:schemeClr val="tx1"/>
         </a:solidFill>
@@ -23,8 +23,8 @@
         <a:cs typeface="+mn-cs"/>
       </a:defRPr>
     </a:lvl1pPr>
-    <a:lvl2pPr marL="435940" algn="l" defTabSz="871880" rtl="0" eaLnBrk="1" latinLnBrk="0" hangingPunct="1">
-      <a:defRPr sz="1700" kern="1200">
+    <a:lvl2pPr marL="399583" algn="l" defTabSz="799165" rtl="0" eaLnBrk="1" latinLnBrk="0" hangingPunct="1">
+      <a:defRPr sz="1600" kern="1200">
         <a:solidFill>
           <a:schemeClr val="tx1"/>
         </a:solidFill>
@@ -33,8 +33,8 @@
         <a:cs typeface="+mn-cs"/>
       </a:defRPr>
     </a:lvl2pPr>
-    <a:lvl3pPr marL="871880" algn="l" defTabSz="871880" rtl="0" eaLnBrk="1" latinLnBrk="0" hangingPunct="1">
-      <a:defRPr sz="1700" kern="1200">
+    <a:lvl3pPr marL="799165" algn="l" defTabSz="799165" rtl="0" eaLnBrk="1" latinLnBrk="0" hangingPunct="1">
+      <a:defRPr sz="1600" kern="1200">
         <a:solidFill>
           <a:schemeClr val="tx1"/>
         </a:solidFill>
@@ -43,8 +43,8 @@
         <a:cs typeface="+mn-cs"/>
       </a:defRPr>
     </a:lvl3pPr>
-    <a:lvl4pPr marL="1307821" algn="l" defTabSz="871880" rtl="0" eaLnBrk="1" latinLnBrk="0" hangingPunct="1">
-      <a:defRPr sz="1700" kern="1200">
+    <a:lvl4pPr marL="1198749" algn="l" defTabSz="799165" rtl="0" eaLnBrk="1" latinLnBrk="0" hangingPunct="1">
+      <a:defRPr sz="1600" kern="1200">
         <a:solidFill>
           <a:schemeClr val="tx1"/>
         </a:solidFill>
@@ -53,8 +53,8 @@
         <a:cs typeface="+mn-cs"/>
       </a:defRPr>
     </a:lvl4pPr>
-    <a:lvl5pPr marL="1743761" algn="l" defTabSz="871880" rtl="0" eaLnBrk="1" latinLnBrk="0" hangingPunct="1">
-      <a:defRPr sz="1700" kern="1200">
+    <a:lvl5pPr marL="1598331" algn="l" defTabSz="799165" rtl="0" eaLnBrk="1" latinLnBrk="0" hangingPunct="1">
+      <a:defRPr sz="1600" kern="1200">
         <a:solidFill>
           <a:schemeClr val="tx1"/>
         </a:solidFill>
@@ -63,8 +63,8 @@
         <a:cs typeface="+mn-cs"/>
       </a:defRPr>
     </a:lvl5pPr>
-    <a:lvl6pPr marL="2179701" algn="l" defTabSz="871880" rtl="0" eaLnBrk="1" latinLnBrk="0" hangingPunct="1">
-      <a:defRPr sz="1700" kern="1200">
+    <a:lvl6pPr marL="1997914" algn="l" defTabSz="799165" rtl="0" eaLnBrk="1" latinLnBrk="0" hangingPunct="1">
+      <a:defRPr sz="1600" kern="1200">
         <a:solidFill>
           <a:schemeClr val="tx1"/>
         </a:solidFill>
@@ -73,8 +73,8 @@
         <a:cs typeface="+mn-cs"/>
       </a:defRPr>
     </a:lvl6pPr>
-    <a:lvl7pPr marL="2615641" algn="l" defTabSz="871880" rtl="0" eaLnBrk="1" latinLnBrk="0" hangingPunct="1">
-      <a:defRPr sz="1700" kern="1200">
+    <a:lvl7pPr marL="2397497" algn="l" defTabSz="799165" rtl="0" eaLnBrk="1" latinLnBrk="0" hangingPunct="1">
+      <a:defRPr sz="1600" kern="1200">
         <a:solidFill>
           <a:schemeClr val="tx1"/>
         </a:solidFill>
@@ -83,8 +83,8 @@
         <a:cs typeface="+mn-cs"/>
       </a:defRPr>
     </a:lvl7pPr>
-    <a:lvl8pPr marL="3051581" algn="l" defTabSz="871880" rtl="0" eaLnBrk="1" latinLnBrk="0" hangingPunct="1">
-      <a:defRPr sz="1700" kern="1200">
+    <a:lvl8pPr marL="2797079" algn="l" defTabSz="799165" rtl="0" eaLnBrk="1" latinLnBrk="0" hangingPunct="1">
+      <a:defRPr sz="1600" kern="1200">
         <a:solidFill>
           <a:schemeClr val="tx1"/>
         </a:solidFill>
@@ -93,8 +93,8 @@
         <a:cs typeface="+mn-cs"/>
       </a:defRPr>
     </a:lvl8pPr>
-    <a:lvl9pPr marL="3487522" algn="l" defTabSz="871880" rtl="0" eaLnBrk="1" latinLnBrk="0" hangingPunct="1">
-      <a:defRPr sz="1700" kern="1200">
+    <a:lvl9pPr marL="3196663" algn="l" defTabSz="799165" rtl="0" eaLnBrk="1" latinLnBrk="0" hangingPunct="1">
+      <a:defRPr sz="1600" kern="1200">
         <a:solidFill>
           <a:schemeClr val="tx1"/>
         </a:solidFill>
@@ -136,8 +136,8 @@
         </p:nvSpPr>
         <p:spPr>
           <a:xfrm>
-            <a:off x="729139" y="1565765"/>
-            <a:ext cx="8263572" cy="1080401"/>
+            <a:off x="580549" y="2516568"/>
+            <a:ext cx="6579553" cy="1736468"/>
           </a:xfrm>
         </p:spPr>
         <p:txBody>
@@ -164,8 +164,8 @@
         </p:nvSpPr>
         <p:spPr>
           <a:xfrm>
-            <a:off x="1458278" y="2856178"/>
-            <a:ext cx="6805295" cy="1288080"/>
+            <a:off x="1161098" y="4590575"/>
+            <a:ext cx="5418455" cy="2070260"/>
           </a:xfrm>
         </p:spPr>
         <p:txBody>
@@ -181,7 +181,7 @@
                 </a:solidFill>
               </a:defRPr>
             </a:lvl1pPr>
-            <a:lvl2pPr marL="435940" indent="0" algn="ctr">
+            <a:lvl2pPr marL="399583" indent="0" algn="ctr">
               <a:buNone/>
               <a:defRPr>
                 <a:solidFill>
@@ -191,7 +191,7 @@
                 </a:solidFill>
               </a:defRPr>
             </a:lvl2pPr>
-            <a:lvl3pPr marL="871880" indent="0" algn="ctr">
+            <a:lvl3pPr marL="799165" indent="0" algn="ctr">
               <a:buNone/>
               <a:defRPr>
                 <a:solidFill>
@@ -201,7 +201,7 @@
                 </a:solidFill>
               </a:defRPr>
             </a:lvl3pPr>
-            <a:lvl4pPr marL="1307821" indent="0" algn="ctr">
+            <a:lvl4pPr marL="1198749" indent="0" algn="ctr">
               <a:buNone/>
               <a:defRPr>
                 <a:solidFill>
@@ -211,7 +211,7 @@
                 </a:solidFill>
               </a:defRPr>
             </a:lvl4pPr>
-            <a:lvl5pPr marL="1743761" indent="0" algn="ctr">
+            <a:lvl5pPr marL="1598331" indent="0" algn="ctr">
               <a:buNone/>
               <a:defRPr>
                 <a:solidFill>
@@ -221,7 +221,7 @@
                 </a:solidFill>
               </a:defRPr>
             </a:lvl5pPr>
-            <a:lvl6pPr marL="2179701" indent="0" algn="ctr">
+            <a:lvl6pPr marL="1997914" indent="0" algn="ctr">
               <a:buNone/>
               <a:defRPr>
                 <a:solidFill>
@@ -231,7 +231,7 @@
                 </a:solidFill>
               </a:defRPr>
             </a:lvl6pPr>
-            <a:lvl7pPr marL="2615641" indent="0" algn="ctr">
+            <a:lvl7pPr marL="2397497" indent="0" algn="ctr">
               <a:buNone/>
               <a:defRPr>
                 <a:solidFill>
@@ -241,7 +241,7 @@
                 </a:solidFill>
               </a:defRPr>
             </a:lvl7pPr>
-            <a:lvl8pPr marL="3051581" indent="0" algn="ctr">
+            <a:lvl8pPr marL="2797079" indent="0" algn="ctr">
               <a:buNone/>
               <a:defRPr>
                 <a:solidFill>
@@ -251,7 +251,7 @@
                 </a:solidFill>
               </a:defRPr>
             </a:lvl8pPr>
-            <a:lvl9pPr marL="3487522" indent="0" algn="ctr">
+            <a:lvl9pPr marL="3196663" indent="0" algn="ctr">
               <a:buNone/>
               <a:defRPr>
                 <a:solidFill>
@@ -288,7 +288,7 @@
           <a:p>
             <a:fld id="{83B1F453-3B8C-4091-B88B-1D57CB60235F}" type="datetimeFigureOut">
               <a:rPr lang="en-GB" smtClean="0"/>
-              <a:t>17/06/2014</a:t>
+              <a:t>01/09/2014</a:t>
             </a:fld>
             <a:endParaRPr lang="en-GB"/>
           </a:p>
@@ -458,7 +458,7 @@
           <a:p>
             <a:fld id="{83B1F453-3B8C-4091-B88B-1D57CB60235F}" type="datetimeFigureOut">
               <a:rPr lang="en-GB" smtClean="0"/>
-              <a:t>17/06/2014</a:t>
+              <a:t>01/09/2014</a:t>
             </a:fld>
             <a:endParaRPr lang="en-GB"/>
           </a:p>
@@ -548,8 +548,8 @@
         </p:nvSpPr>
         <p:spPr>
           <a:xfrm>
-            <a:off x="7770728" y="158677"/>
-            <a:ext cx="2411897" cy="3387044"/>
+            <a:off x="6187145" y="255033"/>
+            <a:ext cx="1920380" cy="5443806"/>
           </a:xfrm>
         </p:spPr>
         <p:txBody>
@@ -576,8 +576,8 @@
         </p:nvSpPr>
         <p:spPr>
           <a:xfrm>
-            <a:off x="535040" y="158677"/>
-            <a:ext cx="7073658" cy="3387044"/>
+            <a:off x="426005" y="255033"/>
+            <a:ext cx="5632129" cy="5443806"/>
           </a:xfrm>
         </p:spPr>
         <p:txBody>
@@ -638,7 +638,7 @@
           <a:p>
             <a:fld id="{83B1F453-3B8C-4091-B88B-1D57CB60235F}" type="datetimeFigureOut">
               <a:rPr lang="en-GB" smtClean="0"/>
-              <a:t>17/06/2014</a:t>
+              <a:t>01/09/2014</a:t>
             </a:fld>
             <a:endParaRPr lang="en-GB"/>
           </a:p>
@@ -808,7 +808,7 @@
           <a:p>
             <a:fld id="{83B1F453-3B8C-4091-B88B-1D57CB60235F}" type="datetimeFigureOut">
               <a:rPr lang="en-GB" smtClean="0"/>
-              <a:t>17/06/2014</a:t>
+              <a:t>01/09/2014</a:t>
             </a:fld>
             <a:endParaRPr lang="en-GB"/>
           </a:p>
@@ -898,15 +898,15 @@
         </p:nvSpPr>
         <p:spPr>
           <a:xfrm>
-            <a:off x="767960" y="3238868"/>
-            <a:ext cx="8263572" cy="1001062"/>
+            <a:off x="611458" y="5205653"/>
+            <a:ext cx="6579553" cy="1608951"/>
           </a:xfrm>
         </p:spPr>
         <p:txBody>
           <a:bodyPr anchor="t"/>
           <a:lstStyle>
             <a:lvl1pPr algn="l">
-              <a:defRPr sz="3800" b="1" cap="all"/>
+              <a:defRPr sz="3500" b="1" cap="all"/>
             </a:lvl1pPr>
           </a:lstStyle>
           <a:p>
@@ -930,8 +930,8 @@
         </p:nvSpPr>
         <p:spPr>
           <a:xfrm>
-            <a:off x="767960" y="2136301"/>
-            <a:ext cx="8263572" cy="1102568"/>
+            <a:off x="611458" y="3433558"/>
+            <a:ext cx="6579553" cy="1772095"/>
           </a:xfrm>
         </p:spPr>
         <p:txBody>
@@ -939,7 +939,7 @@
           <a:lstStyle>
             <a:lvl1pPr marL="0" indent="0">
               <a:buNone/>
-              <a:defRPr sz="1900">
+              <a:defRPr sz="1700">
                 <a:solidFill>
                   <a:schemeClr val="tx1">
                     <a:tint val="75000"/>
@@ -947,9 +947,9 @@
                 </a:solidFill>
               </a:defRPr>
             </a:lvl1pPr>
-            <a:lvl2pPr marL="435940" indent="0">
-              <a:buNone/>
-              <a:defRPr sz="1700">
+            <a:lvl2pPr marL="399583" indent="0">
+              <a:buNone/>
+              <a:defRPr sz="1600">
                 <a:solidFill>
                   <a:schemeClr val="tx1">
                     <a:tint val="75000"/>
@@ -957,9 +957,9 @@
                 </a:solidFill>
               </a:defRPr>
             </a:lvl2pPr>
-            <a:lvl3pPr marL="871880" indent="0">
-              <a:buNone/>
-              <a:defRPr sz="1500">
+            <a:lvl3pPr marL="799165" indent="0">
+              <a:buNone/>
+              <a:defRPr sz="1400">
                 <a:solidFill>
                   <a:schemeClr val="tx1">
                     <a:tint val="75000"/>
@@ -967,9 +967,9 @@
                 </a:solidFill>
               </a:defRPr>
             </a:lvl3pPr>
-            <a:lvl4pPr marL="1307821" indent="0">
-              <a:buNone/>
-              <a:defRPr sz="1300">
+            <a:lvl4pPr marL="1198749" indent="0">
+              <a:buNone/>
+              <a:defRPr sz="1200">
                 <a:solidFill>
                   <a:schemeClr val="tx1">
                     <a:tint val="75000"/>
@@ -977,9 +977,9 @@
                 </a:solidFill>
               </a:defRPr>
             </a:lvl4pPr>
-            <a:lvl5pPr marL="1743761" indent="0">
-              <a:buNone/>
-              <a:defRPr sz="1300">
+            <a:lvl5pPr marL="1598331" indent="0">
+              <a:buNone/>
+              <a:defRPr sz="1200">
                 <a:solidFill>
                   <a:schemeClr val="tx1">
                     <a:tint val="75000"/>
@@ -987,9 +987,9 @@
                 </a:solidFill>
               </a:defRPr>
             </a:lvl5pPr>
-            <a:lvl6pPr marL="2179701" indent="0">
-              <a:buNone/>
-              <a:defRPr sz="1300">
+            <a:lvl6pPr marL="1997914" indent="0">
+              <a:buNone/>
+              <a:defRPr sz="1200">
                 <a:solidFill>
                   <a:schemeClr val="tx1">
                     <a:tint val="75000"/>
@@ -997,9 +997,9 @@
                 </a:solidFill>
               </a:defRPr>
             </a:lvl6pPr>
-            <a:lvl7pPr marL="2615641" indent="0">
-              <a:buNone/>
-              <a:defRPr sz="1300">
+            <a:lvl7pPr marL="2397497" indent="0">
+              <a:buNone/>
+              <a:defRPr sz="1200">
                 <a:solidFill>
                   <a:schemeClr val="tx1">
                     <a:tint val="75000"/>
@@ -1007,9 +1007,9 @@
                 </a:solidFill>
               </a:defRPr>
             </a:lvl7pPr>
-            <a:lvl8pPr marL="3051581" indent="0">
-              <a:buNone/>
-              <a:defRPr sz="1300">
+            <a:lvl8pPr marL="2797079" indent="0">
+              <a:buNone/>
+              <a:defRPr sz="1200">
                 <a:solidFill>
                   <a:schemeClr val="tx1">
                     <a:tint val="75000"/>
@@ -1017,9 +1017,9 @@
                 </a:solidFill>
               </a:defRPr>
             </a:lvl8pPr>
-            <a:lvl9pPr marL="3487522" indent="0">
-              <a:buNone/>
-              <a:defRPr sz="1300">
+            <a:lvl9pPr marL="3196663" indent="0">
+              <a:buNone/>
+              <a:defRPr sz="1200">
                 <a:solidFill>
                   <a:schemeClr val="tx1">
                     <a:tint val="75000"/>
@@ -1054,7 +1054,7 @@
           <a:p>
             <a:fld id="{83B1F453-3B8C-4091-B88B-1D57CB60235F}" type="datetimeFigureOut">
               <a:rPr lang="en-GB" smtClean="0"/>
-              <a:t>17/06/2014</a:t>
+              <a:t>01/09/2014</a:t>
             </a:fld>
             <a:endParaRPr lang="en-GB"/>
           </a:p>
@@ -1167,39 +1167,39 @@
         </p:nvSpPr>
         <p:spPr>
           <a:xfrm>
-            <a:off x="535040" y="926391"/>
-            <a:ext cx="4742778" cy="2619330"/>
+            <a:off x="426006" y="1488938"/>
+            <a:ext cx="3776255" cy="4209902"/>
           </a:xfrm>
         </p:spPr>
         <p:txBody>
           <a:bodyPr/>
           <a:lstStyle>
             <a:lvl1pPr>
-              <a:defRPr sz="2700"/>
+              <a:defRPr sz="2500"/>
             </a:lvl1pPr>
             <a:lvl2pPr>
-              <a:defRPr sz="2300"/>
+              <a:defRPr sz="2100"/>
             </a:lvl2pPr>
             <a:lvl3pPr>
-              <a:defRPr sz="1900"/>
+              <a:defRPr sz="1700"/>
             </a:lvl3pPr>
             <a:lvl4pPr>
-              <a:defRPr sz="1700"/>
+              <a:defRPr sz="1600"/>
             </a:lvl4pPr>
             <a:lvl5pPr>
-              <a:defRPr sz="1700"/>
+              <a:defRPr sz="1600"/>
             </a:lvl5pPr>
             <a:lvl6pPr>
-              <a:defRPr sz="1700"/>
+              <a:defRPr sz="1600"/>
             </a:lvl6pPr>
             <a:lvl7pPr>
-              <a:defRPr sz="1700"/>
+              <a:defRPr sz="1600"/>
             </a:lvl7pPr>
             <a:lvl8pPr>
-              <a:defRPr sz="1700"/>
+              <a:defRPr sz="1600"/>
             </a:lvl8pPr>
             <a:lvl9pPr>
-              <a:defRPr sz="1700"/>
+              <a:defRPr sz="1600"/>
             </a:lvl9pPr>
           </a:lstStyle>
           <a:p>
@@ -1252,39 +1252,39 @@
         </p:nvSpPr>
         <p:spPr>
           <a:xfrm>
-            <a:off x="5439849" y="926391"/>
-            <a:ext cx="4742778" cy="2619330"/>
+            <a:off x="4331271" y="1488938"/>
+            <a:ext cx="3776255" cy="4209902"/>
           </a:xfrm>
         </p:spPr>
         <p:txBody>
           <a:bodyPr/>
           <a:lstStyle>
             <a:lvl1pPr>
-              <a:defRPr sz="2700"/>
+              <a:defRPr sz="2500"/>
             </a:lvl1pPr>
             <a:lvl2pPr>
-              <a:defRPr sz="2300"/>
+              <a:defRPr sz="2100"/>
             </a:lvl2pPr>
             <a:lvl3pPr>
-              <a:defRPr sz="1900"/>
+              <a:defRPr sz="1700"/>
             </a:lvl3pPr>
             <a:lvl4pPr>
-              <a:defRPr sz="1700"/>
+              <a:defRPr sz="1600"/>
             </a:lvl4pPr>
             <a:lvl5pPr>
-              <a:defRPr sz="1700"/>
+              <a:defRPr sz="1600"/>
             </a:lvl5pPr>
             <a:lvl6pPr>
-              <a:defRPr sz="1700"/>
+              <a:defRPr sz="1600"/>
             </a:lvl6pPr>
             <a:lvl7pPr>
-              <a:defRPr sz="1700"/>
+              <a:defRPr sz="1600"/>
             </a:lvl7pPr>
             <a:lvl8pPr>
-              <a:defRPr sz="1700"/>
+              <a:defRPr sz="1600"/>
             </a:lvl8pPr>
             <a:lvl9pPr>
-              <a:defRPr sz="1700"/>
+              <a:defRPr sz="1600"/>
             </a:lvl9pPr>
           </a:lstStyle>
           <a:p>
@@ -1342,7 +1342,7 @@
           <a:p>
             <a:fld id="{83B1F453-3B8C-4091-B88B-1D57CB60235F}" type="datetimeFigureOut">
               <a:rPr lang="en-GB" smtClean="0"/>
-              <a:t>17/06/2014</a:t>
+              <a:t>01/09/2014</a:t>
             </a:fld>
             <a:endParaRPr lang="en-GB"/>
           </a:p>
@@ -1432,8 +1432,8 @@
         </p:nvSpPr>
         <p:spPr>
           <a:xfrm>
-            <a:off x="486093" y="201846"/>
-            <a:ext cx="8749665" cy="840053"/>
+            <a:off x="387034" y="324417"/>
+            <a:ext cx="6966585" cy="1350170"/>
           </a:xfrm>
         </p:spPr>
         <p:txBody>
@@ -1464,8 +1464,8 @@
         </p:nvSpPr>
         <p:spPr>
           <a:xfrm>
-            <a:off x="486093" y="1128237"/>
-            <a:ext cx="4295506" cy="470196"/>
+            <a:off x="387035" y="1813352"/>
+            <a:ext cx="3420131" cy="755720"/>
           </a:xfrm>
         </p:spPr>
         <p:txBody>
@@ -1473,39 +1473,39 @@
           <a:lstStyle>
             <a:lvl1pPr marL="0" indent="0">
               <a:buNone/>
-              <a:defRPr sz="2300" b="1"/>
+              <a:defRPr sz="2100" b="1"/>
             </a:lvl1pPr>
-            <a:lvl2pPr marL="435940" indent="0">
-              <a:buNone/>
-              <a:defRPr sz="1900" b="1"/>
+            <a:lvl2pPr marL="399583" indent="0">
+              <a:buNone/>
+              <a:defRPr sz="1700" b="1"/>
             </a:lvl2pPr>
-            <a:lvl3pPr marL="871880" indent="0">
-              <a:buNone/>
-              <a:defRPr sz="1700" b="1"/>
+            <a:lvl3pPr marL="799165" indent="0">
+              <a:buNone/>
+              <a:defRPr sz="1600" b="1"/>
             </a:lvl3pPr>
-            <a:lvl4pPr marL="1307821" indent="0">
-              <a:buNone/>
-              <a:defRPr sz="1500" b="1"/>
+            <a:lvl4pPr marL="1198749" indent="0">
+              <a:buNone/>
+              <a:defRPr sz="1400" b="1"/>
             </a:lvl4pPr>
-            <a:lvl5pPr marL="1743761" indent="0">
-              <a:buNone/>
-              <a:defRPr sz="1500" b="1"/>
+            <a:lvl5pPr marL="1598331" indent="0">
+              <a:buNone/>
+              <a:defRPr sz="1400" b="1"/>
             </a:lvl5pPr>
-            <a:lvl6pPr marL="2179701" indent="0">
-              <a:buNone/>
-              <a:defRPr sz="1500" b="1"/>
+            <a:lvl6pPr marL="1997914" indent="0">
+              <a:buNone/>
+              <a:defRPr sz="1400" b="1"/>
             </a:lvl6pPr>
-            <a:lvl7pPr marL="2615641" indent="0">
-              <a:buNone/>
-              <a:defRPr sz="1500" b="1"/>
+            <a:lvl7pPr marL="2397497" indent="0">
+              <a:buNone/>
+              <a:defRPr sz="1400" b="1"/>
             </a:lvl7pPr>
-            <a:lvl8pPr marL="3051581" indent="0">
-              <a:buNone/>
-              <a:defRPr sz="1500" b="1"/>
+            <a:lvl8pPr marL="2797079" indent="0">
+              <a:buNone/>
+              <a:defRPr sz="1400" b="1"/>
             </a:lvl8pPr>
-            <a:lvl9pPr marL="3487522" indent="0">
-              <a:buNone/>
-              <a:defRPr sz="1500" b="1"/>
+            <a:lvl9pPr marL="3196663" indent="0">
+              <a:buNone/>
+              <a:defRPr sz="1400" b="1"/>
             </a:lvl9pPr>
           </a:lstStyle>
           <a:p>
@@ -1529,39 +1529,39 @@
         </p:nvSpPr>
         <p:spPr>
           <a:xfrm>
-            <a:off x="486093" y="1598433"/>
-            <a:ext cx="4295506" cy="2904014"/>
+            <a:off x="387035" y="2569072"/>
+            <a:ext cx="3420131" cy="4667459"/>
           </a:xfrm>
         </p:spPr>
         <p:txBody>
           <a:bodyPr/>
           <a:lstStyle>
             <a:lvl1pPr>
-              <a:defRPr sz="2300"/>
+              <a:defRPr sz="2100"/>
             </a:lvl1pPr>
             <a:lvl2pPr>
-              <a:defRPr sz="1900"/>
+              <a:defRPr sz="1700"/>
             </a:lvl2pPr>
             <a:lvl3pPr>
-              <a:defRPr sz="1700"/>
+              <a:defRPr sz="1600"/>
             </a:lvl3pPr>
             <a:lvl4pPr>
-              <a:defRPr sz="1500"/>
+              <a:defRPr sz="1400"/>
             </a:lvl4pPr>
             <a:lvl5pPr>
-              <a:defRPr sz="1500"/>
+              <a:defRPr sz="1400"/>
             </a:lvl5pPr>
             <a:lvl6pPr>
-              <a:defRPr sz="1500"/>
+              <a:defRPr sz="1400"/>
             </a:lvl6pPr>
             <a:lvl7pPr>
-              <a:defRPr sz="1500"/>
+              <a:defRPr sz="1400"/>
             </a:lvl7pPr>
             <a:lvl8pPr>
-              <a:defRPr sz="1500"/>
+              <a:defRPr sz="1400"/>
             </a:lvl8pPr>
             <a:lvl9pPr>
-              <a:defRPr sz="1500"/>
+              <a:defRPr sz="1400"/>
             </a:lvl9pPr>
           </a:lstStyle>
           <a:p>
@@ -1614,8 +1614,8 @@
         </p:nvSpPr>
         <p:spPr>
           <a:xfrm>
-            <a:off x="4938566" y="1128237"/>
-            <a:ext cx="4297192" cy="470196"/>
+            <a:off x="3932144" y="1813352"/>
+            <a:ext cx="3421475" cy="755720"/>
           </a:xfrm>
         </p:spPr>
         <p:txBody>
@@ -1623,39 +1623,39 @@
           <a:lstStyle>
             <a:lvl1pPr marL="0" indent="0">
               <a:buNone/>
-              <a:defRPr sz="2300" b="1"/>
+              <a:defRPr sz="2100" b="1"/>
             </a:lvl1pPr>
-            <a:lvl2pPr marL="435940" indent="0">
-              <a:buNone/>
-              <a:defRPr sz="1900" b="1"/>
+            <a:lvl2pPr marL="399583" indent="0">
+              <a:buNone/>
+              <a:defRPr sz="1700" b="1"/>
             </a:lvl2pPr>
-            <a:lvl3pPr marL="871880" indent="0">
-              <a:buNone/>
-              <a:defRPr sz="1700" b="1"/>
+            <a:lvl3pPr marL="799165" indent="0">
+              <a:buNone/>
+              <a:defRPr sz="1600" b="1"/>
             </a:lvl3pPr>
-            <a:lvl4pPr marL="1307821" indent="0">
-              <a:buNone/>
-              <a:defRPr sz="1500" b="1"/>
+            <a:lvl4pPr marL="1198749" indent="0">
+              <a:buNone/>
+              <a:defRPr sz="1400" b="1"/>
             </a:lvl4pPr>
-            <a:lvl5pPr marL="1743761" indent="0">
-              <a:buNone/>
-              <a:defRPr sz="1500" b="1"/>
+            <a:lvl5pPr marL="1598331" indent="0">
+              <a:buNone/>
+              <a:defRPr sz="1400" b="1"/>
             </a:lvl5pPr>
-            <a:lvl6pPr marL="2179701" indent="0">
-              <a:buNone/>
-              <a:defRPr sz="1500" b="1"/>
+            <a:lvl6pPr marL="1997914" indent="0">
+              <a:buNone/>
+              <a:defRPr sz="1400" b="1"/>
             </a:lvl6pPr>
-            <a:lvl7pPr marL="2615641" indent="0">
-              <a:buNone/>
-              <a:defRPr sz="1500" b="1"/>
+            <a:lvl7pPr marL="2397497" indent="0">
+              <a:buNone/>
+              <a:defRPr sz="1400" b="1"/>
             </a:lvl7pPr>
-            <a:lvl8pPr marL="3051581" indent="0">
-              <a:buNone/>
-              <a:defRPr sz="1500" b="1"/>
+            <a:lvl8pPr marL="2797079" indent="0">
+              <a:buNone/>
+              <a:defRPr sz="1400" b="1"/>
             </a:lvl8pPr>
-            <a:lvl9pPr marL="3487522" indent="0">
-              <a:buNone/>
-              <a:defRPr sz="1500" b="1"/>
+            <a:lvl9pPr marL="3196663" indent="0">
+              <a:buNone/>
+              <a:defRPr sz="1400" b="1"/>
             </a:lvl9pPr>
           </a:lstStyle>
           <a:p>
@@ -1679,39 +1679,39 @@
         </p:nvSpPr>
         <p:spPr>
           <a:xfrm>
-            <a:off x="4938566" y="1598433"/>
-            <a:ext cx="4297192" cy="2904014"/>
+            <a:off x="3932144" y="2569072"/>
+            <a:ext cx="3421475" cy="4667459"/>
           </a:xfrm>
         </p:spPr>
         <p:txBody>
           <a:bodyPr/>
           <a:lstStyle>
             <a:lvl1pPr>
-              <a:defRPr sz="2300"/>
+              <a:defRPr sz="2100"/>
             </a:lvl1pPr>
             <a:lvl2pPr>
-              <a:defRPr sz="1900"/>
+              <a:defRPr sz="1700"/>
             </a:lvl2pPr>
             <a:lvl3pPr>
-              <a:defRPr sz="1700"/>
+              <a:defRPr sz="1600"/>
             </a:lvl3pPr>
             <a:lvl4pPr>
-              <a:defRPr sz="1500"/>
+              <a:defRPr sz="1400"/>
             </a:lvl4pPr>
             <a:lvl5pPr>
-              <a:defRPr sz="1500"/>
+              <a:defRPr sz="1400"/>
             </a:lvl5pPr>
             <a:lvl6pPr>
-              <a:defRPr sz="1500"/>
+              <a:defRPr sz="1400"/>
             </a:lvl6pPr>
             <a:lvl7pPr>
-              <a:defRPr sz="1500"/>
+              <a:defRPr sz="1400"/>
             </a:lvl7pPr>
             <a:lvl8pPr>
-              <a:defRPr sz="1500"/>
+              <a:defRPr sz="1400"/>
             </a:lvl8pPr>
             <a:lvl9pPr>
-              <a:defRPr sz="1500"/>
+              <a:defRPr sz="1400"/>
             </a:lvl9pPr>
           </a:lstStyle>
           <a:p>
@@ -1769,7 +1769,7 @@
           <a:p>
             <a:fld id="{83B1F453-3B8C-4091-B88B-1D57CB60235F}" type="datetimeFigureOut">
               <a:rPr lang="en-GB" smtClean="0"/>
-              <a:t>17/06/2014</a:t>
+              <a:t>01/09/2014</a:t>
             </a:fld>
             <a:endParaRPr lang="en-GB"/>
           </a:p>
@@ -1887,7 +1887,7 @@
           <a:p>
             <a:fld id="{83B1F453-3B8C-4091-B88B-1D57CB60235F}" type="datetimeFigureOut">
               <a:rPr lang="en-GB" smtClean="0"/>
-              <a:t>17/06/2014</a:t>
+              <a:t>01/09/2014</a:t>
             </a:fld>
             <a:endParaRPr lang="en-GB"/>
           </a:p>
@@ -1982,7 +1982,7 @@
           <a:p>
             <a:fld id="{83B1F453-3B8C-4091-B88B-1D57CB60235F}" type="datetimeFigureOut">
               <a:rPr lang="en-GB" smtClean="0"/>
-              <a:t>17/06/2014</a:t>
+              <a:t>01/09/2014</a:t>
             </a:fld>
             <a:endParaRPr lang="en-GB"/>
           </a:p>
@@ -2072,15 +2072,15 @@
         </p:nvSpPr>
         <p:spPr>
           <a:xfrm>
-            <a:off x="486093" y="200679"/>
-            <a:ext cx="3198422" cy="854053"/>
+            <a:off x="387033" y="322542"/>
+            <a:ext cx="2546621" cy="1372672"/>
           </a:xfrm>
         </p:spPr>
         <p:txBody>
           <a:bodyPr anchor="b"/>
           <a:lstStyle>
             <a:lvl1pPr algn="l">
-              <a:defRPr sz="1900" b="1"/>
+              <a:defRPr sz="1700" b="1"/>
             </a:lvl1pPr>
           </a:lstStyle>
           <a:p>
@@ -2104,39 +2104,39 @@
         </p:nvSpPr>
         <p:spPr>
           <a:xfrm>
-            <a:off x="3800974" y="200680"/>
-            <a:ext cx="5434784" cy="4301767"/>
+            <a:off x="3026381" y="322543"/>
+            <a:ext cx="4327237" cy="6913989"/>
           </a:xfrm>
         </p:spPr>
         <p:txBody>
           <a:bodyPr/>
           <a:lstStyle>
             <a:lvl1pPr>
-              <a:defRPr sz="3100"/>
+              <a:defRPr sz="2800"/>
             </a:lvl1pPr>
             <a:lvl2pPr>
-              <a:defRPr sz="2700"/>
+              <a:defRPr sz="2500"/>
             </a:lvl2pPr>
             <a:lvl3pPr>
-              <a:defRPr sz="2300"/>
+              <a:defRPr sz="2100"/>
             </a:lvl3pPr>
             <a:lvl4pPr>
-              <a:defRPr sz="1900"/>
+              <a:defRPr sz="1700"/>
             </a:lvl4pPr>
             <a:lvl5pPr>
-              <a:defRPr sz="1900"/>
+              <a:defRPr sz="1700"/>
             </a:lvl5pPr>
             <a:lvl6pPr>
-              <a:defRPr sz="1900"/>
+              <a:defRPr sz="1700"/>
             </a:lvl6pPr>
             <a:lvl7pPr>
-              <a:defRPr sz="1900"/>
+              <a:defRPr sz="1700"/>
             </a:lvl7pPr>
             <a:lvl8pPr>
-              <a:defRPr sz="1900"/>
+              <a:defRPr sz="1700"/>
             </a:lvl8pPr>
             <a:lvl9pPr>
-              <a:defRPr sz="1900"/>
+              <a:defRPr sz="1700"/>
             </a:lvl9pPr>
           </a:lstStyle>
           <a:p>
@@ -2189,8 +2189,8 @@
         </p:nvSpPr>
         <p:spPr>
           <a:xfrm>
-            <a:off x="486093" y="1054733"/>
-            <a:ext cx="3198422" cy="3447714"/>
+            <a:off x="387033" y="1695214"/>
+            <a:ext cx="2546621" cy="5541317"/>
           </a:xfrm>
         </p:spPr>
         <p:txBody>
@@ -2198,39 +2198,39 @@
           <a:lstStyle>
             <a:lvl1pPr marL="0" indent="0">
               <a:buNone/>
-              <a:defRPr sz="1300"/>
+              <a:defRPr sz="1200"/>
             </a:lvl1pPr>
-            <a:lvl2pPr marL="435940" indent="0">
-              <a:buNone/>
-              <a:defRPr sz="1100"/>
+            <a:lvl2pPr marL="399583" indent="0">
+              <a:buNone/>
+              <a:defRPr sz="1000"/>
             </a:lvl2pPr>
-            <a:lvl3pPr marL="871880" indent="0">
-              <a:buNone/>
-              <a:defRPr sz="1000"/>
+            <a:lvl3pPr marL="799165" indent="0">
+              <a:buNone/>
+              <a:defRPr sz="900"/>
             </a:lvl3pPr>
-            <a:lvl4pPr marL="1307821" indent="0">
-              <a:buNone/>
-              <a:defRPr sz="900"/>
+            <a:lvl4pPr marL="1198749" indent="0">
+              <a:buNone/>
+              <a:defRPr sz="800"/>
             </a:lvl4pPr>
-            <a:lvl5pPr marL="1743761" indent="0">
-              <a:buNone/>
-              <a:defRPr sz="900"/>
+            <a:lvl5pPr marL="1598331" indent="0">
+              <a:buNone/>
+              <a:defRPr sz="800"/>
             </a:lvl5pPr>
-            <a:lvl6pPr marL="2179701" indent="0">
-              <a:buNone/>
-              <a:defRPr sz="900"/>
+            <a:lvl6pPr marL="1997914" indent="0">
+              <a:buNone/>
+              <a:defRPr sz="800"/>
             </a:lvl6pPr>
-            <a:lvl7pPr marL="2615641" indent="0">
-              <a:buNone/>
-              <a:defRPr sz="900"/>
+            <a:lvl7pPr marL="2397497" indent="0">
+              <a:buNone/>
+              <a:defRPr sz="800"/>
             </a:lvl7pPr>
-            <a:lvl8pPr marL="3051581" indent="0">
-              <a:buNone/>
-              <a:defRPr sz="900"/>
+            <a:lvl8pPr marL="2797079" indent="0">
+              <a:buNone/>
+              <a:defRPr sz="800"/>
             </a:lvl8pPr>
-            <a:lvl9pPr marL="3487522" indent="0">
-              <a:buNone/>
-              <a:defRPr sz="900"/>
+            <a:lvl9pPr marL="3196663" indent="0">
+              <a:buNone/>
+              <a:defRPr sz="800"/>
             </a:lvl9pPr>
           </a:lstStyle>
           <a:p>
@@ -2259,7 +2259,7 @@
           <a:p>
             <a:fld id="{83B1F453-3B8C-4091-B88B-1D57CB60235F}" type="datetimeFigureOut">
               <a:rPr lang="en-GB" smtClean="0"/>
-              <a:t>17/06/2014</a:t>
+              <a:t>01/09/2014</a:t>
             </a:fld>
             <a:endParaRPr lang="en-GB"/>
           </a:p>
@@ -2349,15 +2349,15 @@
         </p:nvSpPr>
         <p:spPr>
           <a:xfrm>
-            <a:off x="1905551" y="3528220"/>
-            <a:ext cx="5833110" cy="416526"/>
+            <a:off x="1517222" y="5670711"/>
+            <a:ext cx="4644390" cy="669459"/>
           </a:xfrm>
         </p:spPr>
         <p:txBody>
           <a:bodyPr anchor="b"/>
           <a:lstStyle>
             <a:lvl1pPr algn="l">
-              <a:defRPr sz="1900" b="1"/>
+              <a:defRPr sz="1700" b="1"/>
             </a:lvl1pPr>
           </a:lstStyle>
           <a:p>
@@ -2381,8 +2381,8 @@
         </p:nvSpPr>
         <p:spPr>
           <a:xfrm>
-            <a:off x="1905551" y="450361"/>
-            <a:ext cx="5833110" cy="3024188"/>
+            <a:off x="1517222" y="723840"/>
+            <a:ext cx="4644390" cy="4860608"/>
           </a:xfrm>
         </p:spPr>
         <p:txBody>
@@ -2390,39 +2390,39 @@
           <a:lstStyle>
             <a:lvl1pPr marL="0" indent="0">
               <a:buNone/>
-              <a:defRPr sz="3100"/>
+              <a:defRPr sz="2800"/>
             </a:lvl1pPr>
-            <a:lvl2pPr marL="435940" indent="0">
-              <a:buNone/>
-              <a:defRPr sz="2700"/>
+            <a:lvl2pPr marL="399583" indent="0">
+              <a:buNone/>
+              <a:defRPr sz="2500"/>
             </a:lvl2pPr>
-            <a:lvl3pPr marL="871880" indent="0">
-              <a:buNone/>
-              <a:defRPr sz="2300"/>
+            <a:lvl3pPr marL="799165" indent="0">
+              <a:buNone/>
+              <a:defRPr sz="2100"/>
             </a:lvl3pPr>
-            <a:lvl4pPr marL="1307821" indent="0">
-              <a:buNone/>
-              <a:defRPr sz="1900"/>
+            <a:lvl4pPr marL="1198749" indent="0">
+              <a:buNone/>
+              <a:defRPr sz="1700"/>
             </a:lvl4pPr>
-            <a:lvl5pPr marL="1743761" indent="0">
-              <a:buNone/>
-              <a:defRPr sz="1900"/>
+            <a:lvl5pPr marL="1598331" indent="0">
+              <a:buNone/>
+              <a:defRPr sz="1700"/>
             </a:lvl5pPr>
-            <a:lvl6pPr marL="2179701" indent="0">
-              <a:buNone/>
-              <a:defRPr sz="1900"/>
+            <a:lvl6pPr marL="1997914" indent="0">
+              <a:buNone/>
+              <a:defRPr sz="1700"/>
             </a:lvl6pPr>
-            <a:lvl7pPr marL="2615641" indent="0">
-              <a:buNone/>
-              <a:defRPr sz="1900"/>
+            <a:lvl7pPr marL="2397497" indent="0">
+              <a:buNone/>
+              <a:defRPr sz="1700"/>
             </a:lvl7pPr>
-            <a:lvl8pPr marL="3051581" indent="0">
-              <a:buNone/>
-              <a:defRPr sz="1900"/>
+            <a:lvl8pPr marL="2797079" indent="0">
+              <a:buNone/>
+              <a:defRPr sz="1700"/>
             </a:lvl8pPr>
-            <a:lvl9pPr marL="3487522" indent="0">
-              <a:buNone/>
-              <a:defRPr sz="1900"/>
+            <a:lvl9pPr marL="3196663" indent="0">
+              <a:buNone/>
+              <a:defRPr sz="1700"/>
             </a:lvl9pPr>
           </a:lstStyle>
           <a:p>
@@ -2442,8 +2442,8 @@
         </p:nvSpPr>
         <p:spPr>
           <a:xfrm>
-            <a:off x="1905551" y="3944746"/>
-            <a:ext cx="5833110" cy="591537"/>
+            <a:off x="1517222" y="6340171"/>
+            <a:ext cx="4644390" cy="950745"/>
           </a:xfrm>
         </p:spPr>
         <p:txBody>
@@ -2451,39 +2451,39 @@
           <a:lstStyle>
             <a:lvl1pPr marL="0" indent="0">
               <a:buNone/>
-              <a:defRPr sz="1300"/>
+              <a:defRPr sz="1200"/>
             </a:lvl1pPr>
-            <a:lvl2pPr marL="435940" indent="0">
-              <a:buNone/>
-              <a:defRPr sz="1100"/>
+            <a:lvl2pPr marL="399583" indent="0">
+              <a:buNone/>
+              <a:defRPr sz="1000"/>
             </a:lvl2pPr>
-            <a:lvl3pPr marL="871880" indent="0">
-              <a:buNone/>
-              <a:defRPr sz="1000"/>
+            <a:lvl3pPr marL="799165" indent="0">
+              <a:buNone/>
+              <a:defRPr sz="900"/>
             </a:lvl3pPr>
-            <a:lvl4pPr marL="1307821" indent="0">
-              <a:buNone/>
-              <a:defRPr sz="900"/>
+            <a:lvl4pPr marL="1198749" indent="0">
+              <a:buNone/>
+              <a:defRPr sz="800"/>
             </a:lvl4pPr>
-            <a:lvl5pPr marL="1743761" indent="0">
-              <a:buNone/>
-              <a:defRPr sz="900"/>
+            <a:lvl5pPr marL="1598331" indent="0">
+              <a:buNone/>
+              <a:defRPr sz="800"/>
             </a:lvl5pPr>
-            <a:lvl6pPr marL="2179701" indent="0">
-              <a:buNone/>
-              <a:defRPr sz="900"/>
+            <a:lvl6pPr marL="1997914" indent="0">
+              <a:buNone/>
+              <a:defRPr sz="800"/>
             </a:lvl6pPr>
-            <a:lvl7pPr marL="2615641" indent="0">
-              <a:buNone/>
-              <a:defRPr sz="900"/>
+            <a:lvl7pPr marL="2397497" indent="0">
+              <a:buNone/>
+              <a:defRPr sz="800"/>
             </a:lvl7pPr>
-            <a:lvl8pPr marL="3051581" indent="0">
-              <a:buNone/>
-              <a:defRPr sz="900"/>
+            <a:lvl8pPr marL="2797079" indent="0">
+              <a:buNone/>
+              <a:defRPr sz="800"/>
             </a:lvl8pPr>
-            <a:lvl9pPr marL="3487522" indent="0">
-              <a:buNone/>
-              <a:defRPr sz="900"/>
+            <a:lvl9pPr marL="3196663" indent="0">
+              <a:buNone/>
+              <a:defRPr sz="800"/>
             </a:lvl9pPr>
           </a:lstStyle>
           <a:p>
@@ -2512,7 +2512,7 @@
           <a:p>
             <a:fld id="{83B1F453-3B8C-4091-B88B-1D57CB60235F}" type="datetimeFigureOut">
               <a:rPr lang="en-GB" smtClean="0"/>
-              <a:t>17/06/2014</a:t>
+              <a:t>01/09/2014</a:t>
             </a:fld>
             <a:endParaRPr lang="en-GB"/>
           </a:p>
@@ -2607,15 +2607,15 @@
         </p:nvSpPr>
         <p:spPr>
           <a:xfrm>
-            <a:off x="486093" y="201846"/>
-            <a:ext cx="8749665" cy="840053"/>
+            <a:off x="387034" y="324417"/>
+            <a:ext cx="6966585" cy="1350170"/>
           </a:xfrm>
           <a:prstGeom prst="rect">
             <a:avLst/>
           </a:prstGeom>
         </p:spPr>
         <p:txBody>
-          <a:bodyPr vert="horz" lIns="87188" tIns="43594" rIns="87188" bIns="43594" rtlCol="0" anchor="ctr">
+          <a:bodyPr vert="horz" lIns="79917" tIns="39958" rIns="79917" bIns="39958" rtlCol="0" anchor="ctr">
             <a:normAutofit/>
           </a:bodyPr>
           <a:lstStyle/>
@@ -2640,15 +2640,15 @@
         </p:nvSpPr>
         <p:spPr>
           <a:xfrm>
-            <a:off x="486093" y="1176073"/>
-            <a:ext cx="8749665" cy="3326374"/>
+            <a:off x="387034" y="1890237"/>
+            <a:ext cx="6966585" cy="5346295"/>
           </a:xfrm>
           <a:prstGeom prst="rect">
             <a:avLst/>
           </a:prstGeom>
         </p:spPr>
         <p:txBody>
-          <a:bodyPr vert="horz" lIns="87188" tIns="43594" rIns="87188" bIns="43594" rtlCol="0">
+          <a:bodyPr vert="horz" lIns="79917" tIns="39958" rIns="79917" bIns="39958" rtlCol="0">
             <a:normAutofit/>
           </a:bodyPr>
           <a:lstStyle/>
@@ -2702,18 +2702,18 @@
         </p:nvSpPr>
         <p:spPr>
           <a:xfrm>
-            <a:off x="486092" y="4671624"/>
-            <a:ext cx="2268432" cy="268350"/>
+            <a:off x="387032" y="7508440"/>
+            <a:ext cx="1806152" cy="431304"/>
           </a:xfrm>
           <a:prstGeom prst="rect">
             <a:avLst/>
           </a:prstGeom>
         </p:spPr>
         <p:txBody>
-          <a:bodyPr vert="horz" lIns="87188" tIns="43594" rIns="87188" bIns="43594" rtlCol="0" anchor="ctr"/>
+          <a:bodyPr vert="horz" lIns="79917" tIns="39958" rIns="79917" bIns="39958" rtlCol="0" anchor="ctr"/>
           <a:lstStyle>
             <a:lvl1pPr algn="l">
-              <a:defRPr sz="1100">
+              <a:defRPr sz="1000">
                 <a:solidFill>
                   <a:schemeClr val="tx1">
                     <a:tint val="75000"/>
@@ -2725,7 +2725,7 @@
           <a:p>
             <a:fld id="{83B1F453-3B8C-4091-B88B-1D57CB60235F}" type="datetimeFigureOut">
               <a:rPr lang="en-GB" smtClean="0"/>
-              <a:t>17/06/2014</a:t>
+              <a:t>01/09/2014</a:t>
             </a:fld>
             <a:endParaRPr lang="en-GB"/>
           </a:p>
@@ -2743,18 +2743,18 @@
         </p:nvSpPr>
         <p:spPr>
           <a:xfrm>
-            <a:off x="3321632" y="4671624"/>
-            <a:ext cx="3078586" cy="268350"/>
+            <a:off x="2644723" y="7508440"/>
+            <a:ext cx="2451206" cy="431304"/>
           </a:xfrm>
           <a:prstGeom prst="rect">
             <a:avLst/>
           </a:prstGeom>
         </p:spPr>
         <p:txBody>
-          <a:bodyPr vert="horz" lIns="87188" tIns="43594" rIns="87188" bIns="43594" rtlCol="0" anchor="ctr"/>
+          <a:bodyPr vert="horz" lIns="79917" tIns="39958" rIns="79917" bIns="39958" rtlCol="0" anchor="ctr"/>
           <a:lstStyle>
             <a:lvl1pPr algn="ctr">
-              <a:defRPr sz="1100">
+              <a:defRPr sz="1000">
                 <a:solidFill>
                   <a:schemeClr val="tx1">
                     <a:tint val="75000"/>
@@ -2780,18 +2780,18 @@
         </p:nvSpPr>
         <p:spPr>
           <a:xfrm>
-            <a:off x="6967326" y="4671624"/>
-            <a:ext cx="2268432" cy="268350"/>
+            <a:off x="5547467" y="7508440"/>
+            <a:ext cx="1806152" cy="431304"/>
           </a:xfrm>
           <a:prstGeom prst="rect">
             <a:avLst/>
           </a:prstGeom>
         </p:spPr>
         <p:txBody>
-          <a:bodyPr vert="horz" lIns="87188" tIns="43594" rIns="87188" bIns="43594" rtlCol="0" anchor="ctr"/>
+          <a:bodyPr vert="horz" lIns="79917" tIns="39958" rIns="79917" bIns="39958" rtlCol="0" anchor="ctr"/>
           <a:lstStyle>
             <a:lvl1pPr algn="r">
-              <a:defRPr sz="1100">
+              <a:defRPr sz="1000">
                 <a:solidFill>
                   <a:schemeClr val="tx1">
                     <a:tint val="75000"/>
@@ -2832,12 +2832,12 @@
   </p:sldLayoutIdLst>
   <p:txStyles>
     <p:titleStyle>
-      <a:lvl1pPr algn="ctr" defTabSz="871880" rtl="0" eaLnBrk="1" latinLnBrk="0" hangingPunct="1">
+      <a:lvl1pPr algn="ctr" defTabSz="799165" rtl="0" eaLnBrk="1" latinLnBrk="0" hangingPunct="1">
         <a:spcBef>
           <a:spcPct val="0"/>
         </a:spcBef>
         <a:buNone/>
-        <a:defRPr sz="4200" kern="1200">
+        <a:defRPr sz="3800" kern="1200">
           <a:solidFill>
             <a:schemeClr val="tx1"/>
           </a:solidFill>
@@ -2848,13 +2848,13 @@
       </a:lvl1pPr>
     </p:titleStyle>
     <p:bodyStyle>
-      <a:lvl1pPr marL="326955" indent="-326955" algn="l" defTabSz="871880" rtl="0" eaLnBrk="1" latinLnBrk="0" hangingPunct="1">
+      <a:lvl1pPr marL="299687" indent="-299687" algn="l" defTabSz="799165" rtl="0" eaLnBrk="1" latinLnBrk="0" hangingPunct="1">
         <a:spcBef>
           <a:spcPct val="20000"/>
         </a:spcBef>
         <a:buFont typeface="Arial" panose="020B0604020202020204" pitchFamily="34" charset="0"/>
         <a:buChar char="•"/>
-        <a:defRPr sz="3100" kern="1200">
+        <a:defRPr sz="2800" kern="1200">
           <a:solidFill>
             <a:schemeClr val="tx1"/>
           </a:solidFill>
@@ -2863,13 +2863,13 @@
           <a:cs typeface="+mn-cs"/>
         </a:defRPr>
       </a:lvl1pPr>
-      <a:lvl2pPr marL="708403" indent="-272463" algn="l" defTabSz="871880" rtl="0" eaLnBrk="1" latinLnBrk="0" hangingPunct="1">
+      <a:lvl2pPr marL="649322" indent="-249740" algn="l" defTabSz="799165" rtl="0" eaLnBrk="1" latinLnBrk="0" hangingPunct="1">
         <a:spcBef>
           <a:spcPct val="20000"/>
         </a:spcBef>
         <a:buFont typeface="Arial" panose="020B0604020202020204" pitchFamily="34" charset="0"/>
         <a:buChar char="–"/>
-        <a:defRPr sz="2700" kern="1200">
+        <a:defRPr sz="2500" kern="1200">
           <a:solidFill>
             <a:schemeClr val="tx1"/>
           </a:solidFill>
@@ -2878,13 +2878,13 @@
           <a:cs typeface="+mn-cs"/>
         </a:defRPr>
       </a:lvl2pPr>
-      <a:lvl3pPr marL="1089851" indent="-217970" algn="l" defTabSz="871880" rtl="0" eaLnBrk="1" latinLnBrk="0" hangingPunct="1">
+      <a:lvl3pPr marL="998957" indent="-199791" algn="l" defTabSz="799165" rtl="0" eaLnBrk="1" latinLnBrk="0" hangingPunct="1">
         <a:spcBef>
           <a:spcPct val="20000"/>
         </a:spcBef>
         <a:buFont typeface="Arial" panose="020B0604020202020204" pitchFamily="34" charset="0"/>
         <a:buChar char="•"/>
-        <a:defRPr sz="2300" kern="1200">
+        <a:defRPr sz="2100" kern="1200">
           <a:solidFill>
             <a:schemeClr val="tx1"/>
           </a:solidFill>
@@ -2893,13 +2893,13 @@
           <a:cs typeface="+mn-cs"/>
         </a:defRPr>
       </a:lvl3pPr>
-      <a:lvl4pPr marL="1525791" indent="-217970" algn="l" defTabSz="871880" rtl="0" eaLnBrk="1" latinLnBrk="0" hangingPunct="1">
+      <a:lvl4pPr marL="1398540" indent="-199791" algn="l" defTabSz="799165" rtl="0" eaLnBrk="1" latinLnBrk="0" hangingPunct="1">
         <a:spcBef>
           <a:spcPct val="20000"/>
         </a:spcBef>
         <a:buFont typeface="Arial" panose="020B0604020202020204" pitchFamily="34" charset="0"/>
         <a:buChar char="–"/>
-        <a:defRPr sz="1900" kern="1200">
+        <a:defRPr sz="1700" kern="1200">
           <a:solidFill>
             <a:schemeClr val="tx1"/>
           </a:solidFill>
@@ -2908,13 +2908,13 @@
           <a:cs typeface="+mn-cs"/>
         </a:defRPr>
       </a:lvl4pPr>
-      <a:lvl5pPr marL="1961731" indent="-217970" algn="l" defTabSz="871880" rtl="0" eaLnBrk="1" latinLnBrk="0" hangingPunct="1">
+      <a:lvl5pPr marL="1798123" indent="-199791" algn="l" defTabSz="799165" rtl="0" eaLnBrk="1" latinLnBrk="0" hangingPunct="1">
         <a:spcBef>
           <a:spcPct val="20000"/>
         </a:spcBef>
         <a:buFont typeface="Arial" panose="020B0604020202020204" pitchFamily="34" charset="0"/>
         <a:buChar char="»"/>
-        <a:defRPr sz="1900" kern="1200">
+        <a:defRPr sz="1700" kern="1200">
           <a:solidFill>
             <a:schemeClr val="tx1"/>
           </a:solidFill>
@@ -2923,13 +2923,13 @@
           <a:cs typeface="+mn-cs"/>
         </a:defRPr>
       </a:lvl5pPr>
-      <a:lvl6pPr marL="2397671" indent="-217970" algn="l" defTabSz="871880" rtl="0" eaLnBrk="1" latinLnBrk="0" hangingPunct="1">
+      <a:lvl6pPr marL="2197705" indent="-199791" algn="l" defTabSz="799165" rtl="0" eaLnBrk="1" latinLnBrk="0" hangingPunct="1">
         <a:spcBef>
           <a:spcPct val="20000"/>
         </a:spcBef>
         <a:buFont typeface="Arial" panose="020B0604020202020204" pitchFamily="34" charset="0"/>
         <a:buChar char="•"/>
-        <a:defRPr sz="1900" kern="1200">
+        <a:defRPr sz="1700" kern="1200">
           <a:solidFill>
             <a:schemeClr val="tx1"/>
           </a:solidFill>
@@ -2938,13 +2938,13 @@
           <a:cs typeface="+mn-cs"/>
         </a:defRPr>
       </a:lvl6pPr>
-      <a:lvl7pPr marL="2833611" indent="-217970" algn="l" defTabSz="871880" rtl="0" eaLnBrk="1" latinLnBrk="0" hangingPunct="1">
+      <a:lvl7pPr marL="2597288" indent="-199791" algn="l" defTabSz="799165" rtl="0" eaLnBrk="1" latinLnBrk="0" hangingPunct="1">
         <a:spcBef>
           <a:spcPct val="20000"/>
         </a:spcBef>
         <a:buFont typeface="Arial" panose="020B0604020202020204" pitchFamily="34" charset="0"/>
         <a:buChar char="•"/>
-        <a:defRPr sz="1900" kern="1200">
+        <a:defRPr sz="1700" kern="1200">
           <a:solidFill>
             <a:schemeClr val="tx1"/>
           </a:solidFill>
@@ -2953,13 +2953,13 @@
           <a:cs typeface="+mn-cs"/>
         </a:defRPr>
       </a:lvl7pPr>
-      <a:lvl8pPr marL="3269552" indent="-217970" algn="l" defTabSz="871880" rtl="0" eaLnBrk="1" latinLnBrk="0" hangingPunct="1">
+      <a:lvl8pPr marL="2996871" indent="-199791" algn="l" defTabSz="799165" rtl="0" eaLnBrk="1" latinLnBrk="0" hangingPunct="1">
         <a:spcBef>
           <a:spcPct val="20000"/>
         </a:spcBef>
         <a:buFont typeface="Arial" panose="020B0604020202020204" pitchFamily="34" charset="0"/>
         <a:buChar char="•"/>
-        <a:defRPr sz="1900" kern="1200">
+        <a:defRPr sz="1700" kern="1200">
           <a:solidFill>
             <a:schemeClr val="tx1"/>
           </a:solidFill>
@@ -2968,13 +2968,13 @@
           <a:cs typeface="+mn-cs"/>
         </a:defRPr>
       </a:lvl8pPr>
-      <a:lvl9pPr marL="3705492" indent="-217970" algn="l" defTabSz="871880" rtl="0" eaLnBrk="1" latinLnBrk="0" hangingPunct="1">
+      <a:lvl9pPr marL="3396454" indent="-199791" algn="l" defTabSz="799165" rtl="0" eaLnBrk="1" latinLnBrk="0" hangingPunct="1">
         <a:spcBef>
           <a:spcPct val="20000"/>
         </a:spcBef>
         <a:buFont typeface="Arial" panose="020B0604020202020204" pitchFamily="34" charset="0"/>
         <a:buChar char="•"/>
-        <a:defRPr sz="1900" kern="1200">
+        <a:defRPr sz="1700" kern="1200">
           <a:solidFill>
             <a:schemeClr val="tx1"/>
           </a:solidFill>
@@ -2988,8 +2988,8 @@
       <a:defPPr>
         <a:defRPr lang="en-US"/>
       </a:defPPr>
-      <a:lvl1pPr marL="0" algn="l" defTabSz="871880" rtl="0" eaLnBrk="1" latinLnBrk="0" hangingPunct="1">
-        <a:defRPr sz="1700" kern="1200">
+      <a:lvl1pPr marL="0" algn="l" defTabSz="799165" rtl="0" eaLnBrk="1" latinLnBrk="0" hangingPunct="1">
+        <a:defRPr sz="1600" kern="1200">
           <a:solidFill>
             <a:schemeClr val="tx1"/>
           </a:solidFill>
@@ -2998,8 +2998,8 @@
           <a:cs typeface="+mn-cs"/>
         </a:defRPr>
       </a:lvl1pPr>
-      <a:lvl2pPr marL="435940" algn="l" defTabSz="871880" rtl="0" eaLnBrk="1" latinLnBrk="0" hangingPunct="1">
-        <a:defRPr sz="1700" kern="1200">
+      <a:lvl2pPr marL="399583" algn="l" defTabSz="799165" rtl="0" eaLnBrk="1" latinLnBrk="0" hangingPunct="1">
+        <a:defRPr sz="1600" kern="1200">
           <a:solidFill>
             <a:schemeClr val="tx1"/>
           </a:solidFill>
@@ -3008,8 +3008,8 @@
           <a:cs typeface="+mn-cs"/>
         </a:defRPr>
       </a:lvl2pPr>
-      <a:lvl3pPr marL="871880" algn="l" defTabSz="871880" rtl="0" eaLnBrk="1" latinLnBrk="0" hangingPunct="1">
-        <a:defRPr sz="1700" kern="1200">
+      <a:lvl3pPr marL="799165" algn="l" defTabSz="799165" rtl="0" eaLnBrk="1" latinLnBrk="0" hangingPunct="1">
+        <a:defRPr sz="1600" kern="1200">
           <a:solidFill>
             <a:schemeClr val="tx1"/>
           </a:solidFill>
@@ -3018,8 +3018,8 @@
           <a:cs typeface="+mn-cs"/>
         </a:defRPr>
       </a:lvl3pPr>
-      <a:lvl4pPr marL="1307821" algn="l" defTabSz="871880" rtl="0" eaLnBrk="1" latinLnBrk="0" hangingPunct="1">
-        <a:defRPr sz="1700" kern="1200">
+      <a:lvl4pPr marL="1198749" algn="l" defTabSz="799165" rtl="0" eaLnBrk="1" latinLnBrk="0" hangingPunct="1">
+        <a:defRPr sz="1600" kern="1200">
           <a:solidFill>
             <a:schemeClr val="tx1"/>
           </a:solidFill>
@@ -3028,8 +3028,8 @@
           <a:cs typeface="+mn-cs"/>
         </a:defRPr>
       </a:lvl4pPr>
-      <a:lvl5pPr marL="1743761" algn="l" defTabSz="871880" rtl="0" eaLnBrk="1" latinLnBrk="0" hangingPunct="1">
-        <a:defRPr sz="1700" kern="1200">
+      <a:lvl5pPr marL="1598331" algn="l" defTabSz="799165" rtl="0" eaLnBrk="1" latinLnBrk="0" hangingPunct="1">
+        <a:defRPr sz="1600" kern="1200">
           <a:solidFill>
             <a:schemeClr val="tx1"/>
           </a:solidFill>
@@ -3038,8 +3038,8 @@
           <a:cs typeface="+mn-cs"/>
         </a:defRPr>
       </a:lvl5pPr>
-      <a:lvl6pPr marL="2179701" algn="l" defTabSz="871880" rtl="0" eaLnBrk="1" latinLnBrk="0" hangingPunct="1">
-        <a:defRPr sz="1700" kern="1200">
+      <a:lvl6pPr marL="1997914" algn="l" defTabSz="799165" rtl="0" eaLnBrk="1" latinLnBrk="0" hangingPunct="1">
+        <a:defRPr sz="1600" kern="1200">
           <a:solidFill>
             <a:schemeClr val="tx1"/>
           </a:solidFill>
@@ -3048,8 +3048,8 @@
           <a:cs typeface="+mn-cs"/>
         </a:defRPr>
       </a:lvl6pPr>
-      <a:lvl7pPr marL="2615641" algn="l" defTabSz="871880" rtl="0" eaLnBrk="1" latinLnBrk="0" hangingPunct="1">
-        <a:defRPr sz="1700" kern="1200">
+      <a:lvl7pPr marL="2397497" algn="l" defTabSz="799165" rtl="0" eaLnBrk="1" latinLnBrk="0" hangingPunct="1">
+        <a:defRPr sz="1600" kern="1200">
           <a:solidFill>
             <a:schemeClr val="tx1"/>
           </a:solidFill>
@@ -3058,8 +3058,8 @@
           <a:cs typeface="+mn-cs"/>
         </a:defRPr>
       </a:lvl7pPr>
-      <a:lvl8pPr marL="3051581" algn="l" defTabSz="871880" rtl="0" eaLnBrk="1" latinLnBrk="0" hangingPunct="1">
-        <a:defRPr sz="1700" kern="1200">
+      <a:lvl8pPr marL="2797079" algn="l" defTabSz="799165" rtl="0" eaLnBrk="1" latinLnBrk="0" hangingPunct="1">
+        <a:defRPr sz="1600" kern="1200">
           <a:solidFill>
             <a:schemeClr val="tx1"/>
           </a:solidFill>
@@ -3068,8 +3068,8 @@
           <a:cs typeface="+mn-cs"/>
         </a:defRPr>
       </a:lvl8pPr>
-      <a:lvl9pPr marL="3487522" algn="l" defTabSz="871880" rtl="0" eaLnBrk="1" latinLnBrk="0" hangingPunct="1">
-        <a:defRPr sz="1700" kern="1200">
+      <a:lvl9pPr marL="3196663" algn="l" defTabSz="799165" rtl="0" eaLnBrk="1" latinLnBrk="0" hangingPunct="1">
+        <a:defRPr sz="1600" kern="1200">
           <a:solidFill>
             <a:schemeClr val="tx1"/>
           </a:solidFill>
@@ -3100,16 +3100,263 @@
           <a:chExt cx="0" cy="0"/>
         </a:xfrm>
       </p:grpSpPr>
+      <p:grpSp>
+        <p:nvGrpSpPr>
+          <p:cNvPr id="44" name="Group 43"/>
+          <p:cNvGrpSpPr>
+            <a:grpSpLocks noChangeAspect="1"/>
+          </p:cNvGrpSpPr>
+          <p:nvPr/>
+        </p:nvGrpSpPr>
+        <p:grpSpPr>
+          <a:xfrm>
+            <a:off x="-30792" y="5123188"/>
+            <a:ext cx="7717398" cy="2957788"/>
+            <a:chOff x="-30791" y="5095893"/>
+            <a:chExt cx="6431165" cy="2464823"/>
+          </a:xfrm>
+        </p:grpSpPr>
+        <p:grpSp>
+          <p:nvGrpSpPr>
+            <p:cNvPr id="45" name="Group 44"/>
+            <p:cNvGrpSpPr/>
+            <p:nvPr/>
+          </p:nvGrpSpPr>
+          <p:grpSpPr>
+            <a:xfrm>
+              <a:off x="-30791" y="5095893"/>
+              <a:ext cx="3219450" cy="2434489"/>
+              <a:chOff x="6718561" y="211152"/>
+              <a:chExt cx="3219450" cy="2434489"/>
+            </a:xfrm>
+          </p:grpSpPr>
+          <p:pic>
+            <p:nvPicPr>
+              <p:cNvPr id="49" name="Picture 4"/>
+              <p:cNvPicPr>
+                <a:picLocks noChangeAspect="1" noChangeArrowheads="1"/>
+              </p:cNvPicPr>
+              <p:nvPr/>
+            </p:nvPicPr>
+            <p:blipFill rotWithShape="1">
+              <a:blip r:embed="rId2">
+                <a:extLst>
+                  <a:ext uri="{28A0092B-C50C-407E-A947-70E740481C1C}">
+                    <a14:useLocalDpi xmlns:a14="http://schemas.microsoft.com/office/drawing/2010/main" val="0"/>
+                  </a:ext>
+                </a:extLst>
+              </a:blip>
+              <a:srcRect t="4619" b="48312"/>
+              <a:stretch/>
+            </p:blipFill>
+            <p:spPr bwMode="auto">
+              <a:xfrm>
+                <a:off x="6718561" y="211152"/>
+                <a:ext cx="3219450" cy="2434489"/>
+              </a:xfrm>
+              <a:prstGeom prst="rect">
+                <a:avLst/>
+              </a:prstGeom>
+              <a:noFill/>
+              <a:ln>
+                <a:noFill/>
+              </a:ln>
+              <a:extLst>
+                <a:ext uri="{909E8E84-426E-40DD-AFC4-6F175D3DCCD1}">
+                  <a14:hiddenFill xmlns:a14="http://schemas.microsoft.com/office/drawing/2010/main">
+                    <a:solidFill>
+                      <a:schemeClr val="accent1"/>
+                    </a:solidFill>
+                  </a14:hiddenFill>
+                </a:ext>
+                <a:ext uri="{91240B29-F687-4F45-9708-019B960494DF}">
+                  <a14:hiddenLine xmlns:a14="http://schemas.microsoft.com/office/drawing/2010/main" w="9525">
+                    <a:solidFill>
+                      <a:schemeClr val="tx1"/>
+                    </a:solidFill>
+                    <a:miter lim="800000"/>
+                    <a:headEnd/>
+                    <a:tailEnd/>
+                  </a14:hiddenLine>
+                </a:ext>
+              </a:extLst>
+            </p:spPr>
+          </p:pic>
+          <p:sp>
+            <p:nvSpPr>
+              <p:cNvPr id="50" name="Rectangle 49"/>
+              <p:cNvSpPr/>
+              <p:nvPr/>
+            </p:nvSpPr>
+            <p:spPr>
+              <a:xfrm>
+                <a:off x="7452320" y="341056"/>
+                <a:ext cx="180000" cy="180000"/>
+              </a:xfrm>
+              <a:prstGeom prst="rect">
+                <a:avLst/>
+              </a:prstGeom>
+              <a:solidFill>
+                <a:schemeClr val="bg1"/>
+              </a:solidFill>
+              <a:ln>
+                <a:solidFill>
+                  <a:schemeClr val="bg1"/>
+                </a:solidFill>
+              </a:ln>
+            </p:spPr>
+            <p:style>
+              <a:lnRef idx="2">
+                <a:schemeClr val="accent1">
+                  <a:shade val="50000"/>
+                </a:schemeClr>
+              </a:lnRef>
+              <a:fillRef idx="1">
+                <a:schemeClr val="accent1"/>
+              </a:fillRef>
+              <a:effectRef idx="0">
+                <a:schemeClr val="accent1"/>
+              </a:effectRef>
+              <a:fontRef idx="minor">
+                <a:schemeClr val="lt1"/>
+              </a:fontRef>
+            </p:style>
+            <p:txBody>
+              <a:bodyPr rtlCol="0" anchor="ctr"/>
+              <a:lstStyle/>
+              <a:p>
+                <a:pPr algn="ctr"/>
+                <a:endParaRPr lang="en-GB"/>
+              </a:p>
+            </p:txBody>
+          </p:sp>
+        </p:grpSp>
+        <p:grpSp>
+          <p:nvGrpSpPr>
+            <p:cNvPr id="46" name="Group 45"/>
+            <p:cNvGrpSpPr/>
+            <p:nvPr/>
+          </p:nvGrpSpPr>
+          <p:grpSpPr>
+            <a:xfrm>
+              <a:off x="3180924" y="5095894"/>
+              <a:ext cx="3219450" cy="2464822"/>
+              <a:chOff x="10909597" y="2648310"/>
+              <a:chExt cx="3219450" cy="2464822"/>
+            </a:xfrm>
+          </p:grpSpPr>
+          <p:pic>
+            <p:nvPicPr>
+              <p:cNvPr id="47" name="Picture 4"/>
+              <p:cNvPicPr>
+                <a:picLocks noChangeAspect="1" noChangeArrowheads="1"/>
+              </p:cNvPicPr>
+              <p:nvPr/>
+            </p:nvPicPr>
+            <p:blipFill rotWithShape="1">
+              <a:blip r:embed="rId2">
+                <a:extLst>
+                  <a:ext uri="{28A0092B-C50C-407E-A947-70E740481C1C}">
+                    <a14:useLocalDpi xmlns:a14="http://schemas.microsoft.com/office/drawing/2010/main" val="0"/>
+                  </a:ext>
+                </a:extLst>
+              </a:blip>
+              <a:srcRect t="52344"/>
+              <a:stretch/>
+            </p:blipFill>
+            <p:spPr bwMode="auto">
+              <a:xfrm>
+                <a:off x="10909597" y="2648310"/>
+                <a:ext cx="3219450" cy="2464822"/>
+              </a:xfrm>
+              <a:prstGeom prst="rect">
+                <a:avLst/>
+              </a:prstGeom>
+              <a:noFill/>
+              <a:ln>
+                <a:noFill/>
+              </a:ln>
+              <a:extLst>
+                <a:ext uri="{909E8E84-426E-40DD-AFC4-6F175D3DCCD1}">
+                  <a14:hiddenFill xmlns:a14="http://schemas.microsoft.com/office/drawing/2010/main">
+                    <a:solidFill>
+                      <a:schemeClr val="accent1"/>
+                    </a:solidFill>
+                  </a14:hiddenFill>
+                </a:ext>
+                <a:ext uri="{91240B29-F687-4F45-9708-019B960494DF}">
+                  <a14:hiddenLine xmlns:a14="http://schemas.microsoft.com/office/drawing/2010/main" w="9525">
+                    <a:solidFill>
+                      <a:schemeClr val="tx1"/>
+                    </a:solidFill>
+                    <a:miter lim="800000"/>
+                    <a:headEnd/>
+                    <a:tailEnd/>
+                  </a14:hiddenLine>
+                </a:ext>
+              </a:extLst>
+            </p:spPr>
+          </p:pic>
+          <p:sp>
+            <p:nvSpPr>
+              <p:cNvPr id="48" name="Rectangle 47"/>
+              <p:cNvSpPr/>
+              <p:nvPr/>
+            </p:nvSpPr>
+            <p:spPr>
+              <a:xfrm>
+                <a:off x="11646929" y="2762058"/>
+                <a:ext cx="180000" cy="180000"/>
+              </a:xfrm>
+              <a:prstGeom prst="rect">
+                <a:avLst/>
+              </a:prstGeom>
+              <a:solidFill>
+                <a:schemeClr val="bg1"/>
+              </a:solidFill>
+              <a:ln>
+                <a:solidFill>
+                  <a:schemeClr val="bg1"/>
+                </a:solidFill>
+              </a:ln>
+            </p:spPr>
+            <p:style>
+              <a:lnRef idx="2">
+                <a:schemeClr val="accent1">
+                  <a:shade val="50000"/>
+                </a:schemeClr>
+              </a:lnRef>
+              <a:fillRef idx="1">
+                <a:schemeClr val="accent1"/>
+              </a:fillRef>
+              <a:effectRef idx="0">
+                <a:schemeClr val="accent1"/>
+              </a:effectRef>
+              <a:fontRef idx="minor">
+                <a:schemeClr val="lt1"/>
+              </a:fontRef>
+            </p:style>
+            <p:txBody>
+              <a:bodyPr rtlCol="0" anchor="ctr"/>
+              <a:lstStyle/>
+              <a:p>
+                <a:pPr algn="ctr"/>
+                <a:endParaRPr lang="en-GB"/>
+              </a:p>
+            </p:txBody>
+          </p:sp>
+        </p:grpSp>
+      </p:grpSp>
       <p:pic>
         <p:nvPicPr>
-          <p:cNvPr id="19" name="Picture 2"/>
+          <p:cNvPr id="51" name="Picture 2"/>
           <p:cNvPicPr>
             <a:picLocks noChangeAspect="1" noChangeArrowheads="1"/>
           </p:cNvPicPr>
           <p:nvPr/>
         </p:nvPicPr>
         <p:blipFill>
-          <a:blip r:embed="rId2">
+          <a:blip r:embed="rId3">
             <a:extLst>
               <a:ext uri="{28A0092B-C50C-407E-A947-70E740481C1C}">
                 <a14:useLocalDpi xmlns:a14="http://schemas.microsoft.com/office/drawing/2010/main" val="0"/>
@@ -3123,7 +3370,7 @@
         </p:blipFill>
         <p:spPr bwMode="auto">
           <a:xfrm>
-            <a:off x="-25208" y="-16080"/>
+            <a:off x="597763" y="-16080"/>
             <a:ext cx="6591300" cy="5086350"/>
           </a:xfrm>
           <a:prstGeom prst="rect">
@@ -3154,180 +3401,15 @@
           </a:extLst>
         </p:spPr>
       </p:pic>
-      <p:grpSp>
-        <p:nvGrpSpPr>
-          <p:cNvPr id="20" name="Group 19"/>
-          <p:cNvGrpSpPr/>
-          <p:nvPr/>
-        </p:nvGrpSpPr>
-        <p:grpSpPr>
-          <a:xfrm>
-            <a:off x="6548430" y="-150547"/>
-            <a:ext cx="3219450" cy="5172075"/>
-            <a:chOff x="6718561" y="-27715"/>
-            <a:chExt cx="3219450" cy="5172075"/>
-          </a:xfrm>
-        </p:grpSpPr>
-        <p:pic>
-          <p:nvPicPr>
-            <p:cNvPr id="21" name="Picture 4"/>
-            <p:cNvPicPr>
-              <a:picLocks noChangeAspect="1" noChangeArrowheads="1"/>
-            </p:cNvPicPr>
-            <p:nvPr/>
-          </p:nvPicPr>
-          <p:blipFill>
-            <a:blip r:embed="rId3">
-              <a:extLst>
-                <a:ext uri="{28A0092B-C50C-407E-A947-70E740481C1C}">
-                  <a14:useLocalDpi xmlns:a14="http://schemas.microsoft.com/office/drawing/2010/main" val="0"/>
-                </a:ext>
-              </a:extLst>
-            </a:blip>
-            <a:srcRect/>
-            <a:stretch>
-              <a:fillRect/>
-            </a:stretch>
-          </p:blipFill>
-          <p:spPr bwMode="auto">
-            <a:xfrm>
-              <a:off x="6718561" y="-27715"/>
-              <a:ext cx="3219450" cy="5172075"/>
-            </a:xfrm>
-            <a:prstGeom prst="rect">
-              <a:avLst/>
-            </a:prstGeom>
-            <a:noFill/>
-            <a:ln>
-              <a:noFill/>
-            </a:ln>
-            <a:extLst>
-              <a:ext uri="{909E8E84-426E-40DD-AFC4-6F175D3DCCD1}">
-                <a14:hiddenFill xmlns:a14="http://schemas.microsoft.com/office/drawing/2010/main">
-                  <a:solidFill>
-                    <a:schemeClr val="accent1"/>
-                  </a:solidFill>
-                </a14:hiddenFill>
-              </a:ext>
-              <a:ext uri="{91240B29-F687-4F45-9708-019B960494DF}">
-                <a14:hiddenLine xmlns:a14="http://schemas.microsoft.com/office/drawing/2010/main" w="9525">
-                  <a:solidFill>
-                    <a:schemeClr val="tx1"/>
-                  </a:solidFill>
-                  <a:miter lim="800000"/>
-                  <a:headEnd/>
-                  <a:tailEnd/>
-                </a14:hiddenLine>
-              </a:ext>
-            </a:extLst>
-          </p:spPr>
-        </p:pic>
-        <p:sp>
-          <p:nvSpPr>
-            <p:cNvPr id="22" name="Rectangle 21"/>
-            <p:cNvSpPr/>
-            <p:nvPr/>
-          </p:nvSpPr>
-          <p:spPr>
-            <a:xfrm>
-              <a:off x="7452769" y="2780928"/>
-              <a:ext cx="180000" cy="180000"/>
-            </a:xfrm>
-            <a:prstGeom prst="rect">
-              <a:avLst/>
-            </a:prstGeom>
-            <a:solidFill>
-              <a:schemeClr val="bg1"/>
-            </a:solidFill>
-            <a:ln>
-              <a:solidFill>
-                <a:schemeClr val="bg1"/>
-              </a:solidFill>
-            </a:ln>
-          </p:spPr>
-          <p:style>
-            <a:lnRef idx="2">
-              <a:schemeClr val="accent1">
-                <a:shade val="50000"/>
-              </a:schemeClr>
-            </a:lnRef>
-            <a:fillRef idx="1">
-              <a:schemeClr val="accent1"/>
-            </a:fillRef>
-            <a:effectRef idx="0">
-              <a:schemeClr val="accent1"/>
-            </a:effectRef>
-            <a:fontRef idx="minor">
-              <a:schemeClr val="lt1"/>
-            </a:fontRef>
-          </p:style>
-          <p:txBody>
-            <a:bodyPr rtlCol="0" anchor="ctr"/>
-            <a:lstStyle/>
-            <a:p>
-              <a:pPr algn="ctr"/>
-              <a:endParaRPr lang="en-GB"/>
-            </a:p>
-          </p:txBody>
-        </p:sp>
-        <p:sp>
-          <p:nvSpPr>
-            <p:cNvPr id="23" name="Rectangle 22"/>
-            <p:cNvSpPr/>
-            <p:nvPr/>
-          </p:nvSpPr>
-          <p:spPr>
-            <a:xfrm>
-              <a:off x="7452320" y="341056"/>
-              <a:ext cx="180000" cy="180000"/>
-            </a:xfrm>
-            <a:prstGeom prst="rect">
-              <a:avLst/>
-            </a:prstGeom>
-            <a:solidFill>
-              <a:schemeClr val="bg1"/>
-            </a:solidFill>
-            <a:ln>
-              <a:solidFill>
-                <a:schemeClr val="bg1"/>
-              </a:solidFill>
-            </a:ln>
-          </p:spPr>
-          <p:style>
-            <a:lnRef idx="2">
-              <a:schemeClr val="accent1">
-                <a:shade val="50000"/>
-              </a:schemeClr>
-            </a:lnRef>
-            <a:fillRef idx="1">
-              <a:schemeClr val="accent1"/>
-            </a:fillRef>
-            <a:effectRef idx="0">
-              <a:schemeClr val="accent1"/>
-            </a:effectRef>
-            <a:fontRef idx="minor">
-              <a:schemeClr val="lt1"/>
-            </a:fontRef>
-          </p:style>
-          <p:txBody>
-            <a:bodyPr rtlCol="0" anchor="ctr"/>
-            <a:lstStyle/>
-            <a:p>
-              <a:pPr algn="ctr"/>
-              <a:endParaRPr lang="en-GB"/>
-            </a:p>
-          </p:txBody>
-        </p:sp>
-      </p:grpSp>
-      <p:sp>
-        <p:nvSpPr>
-          <p:cNvPr id="24" name="TextBox 23"/>
+      <p:sp>
+        <p:nvSpPr>
+          <p:cNvPr id="52" name="TextBox 51"/>
           <p:cNvSpPr txBox="1"/>
           <p:nvPr/>
         </p:nvSpPr>
         <p:spPr>
           <a:xfrm>
-            <a:off x="-55093" y="-12191"/>
+            <a:off x="567878" y="-12191"/>
             <a:ext cx="576064" cy="477054"/>
           </a:xfrm>
           <a:prstGeom prst="rect">
@@ -3351,13 +3433,13 @@
       </p:sp>
       <p:sp>
         <p:nvSpPr>
-          <p:cNvPr id="25" name="TextBox 24"/>
+          <p:cNvPr id="53" name="TextBox 52"/>
           <p:cNvSpPr txBox="1"/>
           <p:nvPr/>
         </p:nvSpPr>
         <p:spPr>
           <a:xfrm>
-            <a:off x="6455512" y="-16080"/>
+            <a:off x="-30791" y="5012573"/>
             <a:ext cx="576064" cy="477054"/>
           </a:xfrm>
           <a:prstGeom prst="rect">
